--- a/Examples/Data/Shapes/AnimationShapesExample.pptx
+++ b/Examples/Data/Shapes/AnimationShapesExample.pptx
@@ -190,7 +190,7 @@
           <p:cNvPr id="2" name="Header Placeholder 1">
             <a:extLst>
               <a:ext uri="{FF2B5EF4-FFF2-40B4-BE49-F238E27FC236}">
-                <a16:creationId xmlns:a16="http://schemas.microsoft.com/office/drawing/2014/main" id="{09DC0421-41F5-4247-82AF-5988768F10C5}"/>
+                <a16:creationId xmlns:a16="http://schemas.microsoft.com/office/drawing/2014/main" xmlns="" id="{09DC0421-41F5-4247-82AF-5988768F10C5}"/>
               </a:ext>
             </a:extLst>
           </p:cNvPr>
@@ -230,7 +230,7 @@
           <p:cNvPr id="3" name="Date Placeholder 2">
             <a:extLst>
               <a:ext uri="{FF2B5EF4-FFF2-40B4-BE49-F238E27FC236}">
-                <a16:creationId xmlns:a16="http://schemas.microsoft.com/office/drawing/2014/main" id="{65057154-C68D-4D94-BC34-382CF7B33032}"/>
+                <a16:creationId xmlns:a16="http://schemas.microsoft.com/office/drawing/2014/main" xmlns="" id="{65057154-C68D-4D94-BC34-382CF7B33032}"/>
               </a:ext>
             </a:extLst>
           </p:cNvPr>
@@ -266,7 +266,7 @@
               <a:pPr>
                 <a:defRPr/>
               </a:pPr>
-              <a:t>18/6/2021</a:t>
+              <a:t>5/4/2022</a:t>
             </a:fld>
             <a:endParaRPr lang="en-SG"/>
           </a:p>
@@ -277,7 +277,7 @@
           <p:cNvPr id="4" name="Slide Image Placeholder 3">
             <a:extLst>
               <a:ext uri="{FF2B5EF4-FFF2-40B4-BE49-F238E27FC236}">
-                <a16:creationId xmlns:a16="http://schemas.microsoft.com/office/drawing/2014/main" id="{7D4F57DF-FE02-4CC5-982C-D3FEED32D811}"/>
+                <a16:creationId xmlns:a16="http://schemas.microsoft.com/office/drawing/2014/main" xmlns="" id="{7D4F57DF-FE02-4CC5-982C-D3FEED32D811}"/>
               </a:ext>
             </a:extLst>
           </p:cNvPr>
@@ -317,7 +317,7 @@
           <p:cNvPr id="5" name="Notes Placeholder 4">
             <a:extLst>
               <a:ext uri="{FF2B5EF4-FFF2-40B4-BE49-F238E27FC236}">
-                <a16:creationId xmlns:a16="http://schemas.microsoft.com/office/drawing/2014/main" id="{06BE8D89-9625-465F-BE34-4B4B91161C01}"/>
+                <a16:creationId xmlns:a16="http://schemas.microsoft.com/office/drawing/2014/main" xmlns="" id="{06BE8D89-9625-465F-BE34-4B4B91161C01}"/>
               </a:ext>
             </a:extLst>
           </p:cNvPr>
@@ -383,7 +383,7 @@
           <p:cNvPr id="6" name="Footer Placeholder 5">
             <a:extLst>
               <a:ext uri="{FF2B5EF4-FFF2-40B4-BE49-F238E27FC236}">
-                <a16:creationId xmlns:a16="http://schemas.microsoft.com/office/drawing/2014/main" id="{29FA8D27-6321-4844-964B-5824E127C9E0}"/>
+                <a16:creationId xmlns:a16="http://schemas.microsoft.com/office/drawing/2014/main" xmlns="" id="{29FA8D27-6321-4844-964B-5824E127C9E0}"/>
               </a:ext>
             </a:extLst>
           </p:cNvPr>
@@ -423,7 +423,7 @@
           <p:cNvPr id="7" name="Slide Number Placeholder 6">
             <a:extLst>
               <a:ext uri="{FF2B5EF4-FFF2-40B4-BE49-F238E27FC236}">
-                <a16:creationId xmlns:a16="http://schemas.microsoft.com/office/drawing/2014/main" id="{D079C3AE-B7A3-4A77-8D4C-79ED44999241}"/>
+                <a16:creationId xmlns:a16="http://schemas.microsoft.com/office/drawing/2014/main" xmlns="" id="{D079C3AE-B7A3-4A77-8D4C-79ED44999241}"/>
               </a:ext>
             </a:extLst>
           </p:cNvPr>
@@ -465,6 +465,11 @@
         </p:txBody>
       </p:sp>
     </p:spTree>
+    <p:extLst>
+      <p:ext uri="{BB962C8B-B14F-4D97-AF65-F5344CB8AC3E}">
+        <p14:creationId xmlns:p14="http://schemas.microsoft.com/office/powerpoint/2010/main" val="42439498"/>
+      </p:ext>
+    </p:extLst>
   </p:cSld>
   <p:clrMap bg1="lt1" tx1="dk1" bg2="lt2" tx2="dk2" accent1="accent1" accent2="accent2" accent3="accent3" accent4="accent4" accent5="accent5" accent6="accent6" hlink="hlink" folHlink="folHlink"/>
   <p:notesStyle>
@@ -711,7 +716,7 @@
           <p:cNvPr id="4" name="Date Placeholder 3">
             <a:extLst>
               <a:ext uri="{FF2B5EF4-FFF2-40B4-BE49-F238E27FC236}">
-                <a16:creationId xmlns:a16="http://schemas.microsoft.com/office/drawing/2014/main" id="{EEA62ADE-A3F0-4655-B0AF-4589D068E4D1}"/>
+                <a16:creationId xmlns:a16="http://schemas.microsoft.com/office/drawing/2014/main" xmlns="" id="{EEA62ADE-A3F0-4655-B0AF-4589D068E4D1}"/>
               </a:ext>
             </a:extLst>
           </p:cNvPr>
@@ -739,7 +744,7 @@
               <a:pPr>
                 <a:defRPr/>
               </a:pPr>
-              <a:t>18/6/2021</a:t>
+              <a:t>5/4/2022</a:t>
             </a:fld>
             <a:endParaRPr lang="en-SG"/>
           </a:p>
@@ -750,7 +755,7 @@
           <p:cNvPr id="5" name="Footer Placeholder 4">
             <a:extLst>
               <a:ext uri="{FF2B5EF4-FFF2-40B4-BE49-F238E27FC236}">
-                <a16:creationId xmlns:a16="http://schemas.microsoft.com/office/drawing/2014/main" id="{4C2E0AAF-BAA7-44DC-B013-FAB6ED2F5818}"/>
+                <a16:creationId xmlns:a16="http://schemas.microsoft.com/office/drawing/2014/main" xmlns="" id="{4C2E0AAF-BAA7-44DC-B013-FAB6ED2F5818}"/>
               </a:ext>
             </a:extLst>
           </p:cNvPr>
@@ -782,7 +787,7 @@
           <p:cNvPr id="6" name="Slide Number Placeholder 5">
             <a:extLst>
               <a:ext uri="{FF2B5EF4-FFF2-40B4-BE49-F238E27FC236}">
-                <a16:creationId xmlns:a16="http://schemas.microsoft.com/office/drawing/2014/main" id="{3117E1C0-2CF2-42A9-9D81-863F4CD85A9D}"/>
+                <a16:creationId xmlns:a16="http://schemas.microsoft.com/office/drawing/2014/main" xmlns="" id="{3117E1C0-2CF2-42A9-9D81-863F4CD85A9D}"/>
               </a:ext>
             </a:extLst>
           </p:cNvPr>
@@ -921,7 +926,7 @@
           <p:cNvPr id="4" name="Date Placeholder 3">
             <a:extLst>
               <a:ext uri="{FF2B5EF4-FFF2-40B4-BE49-F238E27FC236}">
-                <a16:creationId xmlns:a16="http://schemas.microsoft.com/office/drawing/2014/main" id="{94C7F675-C93F-46C7-B315-5FA7E6D2460C}"/>
+                <a16:creationId xmlns:a16="http://schemas.microsoft.com/office/drawing/2014/main" xmlns="" id="{94C7F675-C93F-46C7-B315-5FA7E6D2460C}"/>
               </a:ext>
             </a:extLst>
           </p:cNvPr>
@@ -949,7 +954,7 @@
               <a:pPr>
                 <a:defRPr/>
               </a:pPr>
-              <a:t>18/6/2021</a:t>
+              <a:t>5/4/2022</a:t>
             </a:fld>
             <a:endParaRPr lang="en-SG"/>
           </a:p>
@@ -960,7 +965,7 @@
           <p:cNvPr id="5" name="Footer Placeholder 4">
             <a:extLst>
               <a:ext uri="{FF2B5EF4-FFF2-40B4-BE49-F238E27FC236}">
-                <a16:creationId xmlns:a16="http://schemas.microsoft.com/office/drawing/2014/main" id="{D4BF5372-6662-4194-A4A3-57CE7A415BEC}"/>
+                <a16:creationId xmlns:a16="http://schemas.microsoft.com/office/drawing/2014/main" xmlns="" id="{D4BF5372-6662-4194-A4A3-57CE7A415BEC}"/>
               </a:ext>
             </a:extLst>
           </p:cNvPr>
@@ -992,7 +997,7 @@
           <p:cNvPr id="6" name="Slide Number Placeholder 5">
             <a:extLst>
               <a:ext uri="{FF2B5EF4-FFF2-40B4-BE49-F238E27FC236}">
-                <a16:creationId xmlns:a16="http://schemas.microsoft.com/office/drawing/2014/main" id="{250EE123-F990-42DA-9A9F-6FBFAC0E2886}"/>
+                <a16:creationId xmlns:a16="http://schemas.microsoft.com/office/drawing/2014/main" xmlns="" id="{250EE123-F990-42DA-9A9F-6FBFAC0E2886}"/>
               </a:ext>
             </a:extLst>
           </p:cNvPr>
@@ -1141,7 +1146,7 @@
           <p:cNvPr id="4" name="Date Placeholder 3">
             <a:extLst>
               <a:ext uri="{FF2B5EF4-FFF2-40B4-BE49-F238E27FC236}">
-                <a16:creationId xmlns:a16="http://schemas.microsoft.com/office/drawing/2014/main" id="{89B56806-EB67-4C72-85CB-7A052A640EAE}"/>
+                <a16:creationId xmlns:a16="http://schemas.microsoft.com/office/drawing/2014/main" xmlns="" id="{89B56806-EB67-4C72-85CB-7A052A640EAE}"/>
               </a:ext>
             </a:extLst>
           </p:cNvPr>
@@ -1169,7 +1174,7 @@
               <a:pPr>
                 <a:defRPr/>
               </a:pPr>
-              <a:t>18/6/2021</a:t>
+              <a:t>5/4/2022</a:t>
             </a:fld>
             <a:endParaRPr lang="en-SG"/>
           </a:p>
@@ -1180,7 +1185,7 @@
           <p:cNvPr id="5" name="Footer Placeholder 4">
             <a:extLst>
               <a:ext uri="{FF2B5EF4-FFF2-40B4-BE49-F238E27FC236}">
-                <a16:creationId xmlns:a16="http://schemas.microsoft.com/office/drawing/2014/main" id="{3304B25F-916B-4EFE-8984-A87046FCA982}"/>
+                <a16:creationId xmlns:a16="http://schemas.microsoft.com/office/drawing/2014/main" xmlns="" id="{3304B25F-916B-4EFE-8984-A87046FCA982}"/>
               </a:ext>
             </a:extLst>
           </p:cNvPr>
@@ -1212,7 +1217,7 @@
           <p:cNvPr id="6" name="Slide Number Placeholder 5">
             <a:extLst>
               <a:ext uri="{FF2B5EF4-FFF2-40B4-BE49-F238E27FC236}">
-                <a16:creationId xmlns:a16="http://schemas.microsoft.com/office/drawing/2014/main" id="{68C41CF2-D063-4416-AEBD-80CF52876A55}"/>
+                <a16:creationId xmlns:a16="http://schemas.microsoft.com/office/drawing/2014/main" xmlns="" id="{68C41CF2-D063-4416-AEBD-80CF52876A55}"/>
               </a:ext>
             </a:extLst>
           </p:cNvPr>
@@ -1351,7 +1356,7 @@
           <p:cNvPr id="4" name="Date Placeholder 3">
             <a:extLst>
               <a:ext uri="{FF2B5EF4-FFF2-40B4-BE49-F238E27FC236}">
-                <a16:creationId xmlns:a16="http://schemas.microsoft.com/office/drawing/2014/main" id="{6E04C55A-BE8A-4F2E-94B5-BA338026CDFE}"/>
+                <a16:creationId xmlns:a16="http://schemas.microsoft.com/office/drawing/2014/main" xmlns="" id="{6E04C55A-BE8A-4F2E-94B5-BA338026CDFE}"/>
               </a:ext>
             </a:extLst>
           </p:cNvPr>
@@ -1379,7 +1384,7 @@
               <a:pPr>
                 <a:defRPr/>
               </a:pPr>
-              <a:t>18/6/2021</a:t>
+              <a:t>5/4/2022</a:t>
             </a:fld>
             <a:endParaRPr lang="en-SG"/>
           </a:p>
@@ -1390,7 +1395,7 @@
           <p:cNvPr id="5" name="Footer Placeholder 4">
             <a:extLst>
               <a:ext uri="{FF2B5EF4-FFF2-40B4-BE49-F238E27FC236}">
-                <a16:creationId xmlns:a16="http://schemas.microsoft.com/office/drawing/2014/main" id="{106B967C-4EF1-46AA-8025-65357C2797D6}"/>
+                <a16:creationId xmlns:a16="http://schemas.microsoft.com/office/drawing/2014/main" xmlns="" id="{106B967C-4EF1-46AA-8025-65357C2797D6}"/>
               </a:ext>
             </a:extLst>
           </p:cNvPr>
@@ -1422,7 +1427,7 @@
           <p:cNvPr id="6" name="Slide Number Placeholder 5">
             <a:extLst>
               <a:ext uri="{FF2B5EF4-FFF2-40B4-BE49-F238E27FC236}">
-                <a16:creationId xmlns:a16="http://schemas.microsoft.com/office/drawing/2014/main" id="{D603BCC0-F7C4-4293-BC7E-A370C42BB68B}"/>
+                <a16:creationId xmlns:a16="http://schemas.microsoft.com/office/drawing/2014/main" xmlns="" id="{D603BCC0-F7C4-4293-BC7E-A370C42BB68B}"/>
               </a:ext>
             </a:extLst>
           </p:cNvPr>
@@ -1637,7 +1642,7 @@
           <p:cNvPr id="4" name="Date Placeholder 3">
             <a:extLst>
               <a:ext uri="{FF2B5EF4-FFF2-40B4-BE49-F238E27FC236}">
-                <a16:creationId xmlns:a16="http://schemas.microsoft.com/office/drawing/2014/main" id="{8A016035-26A6-4331-8012-5DB64A7FA46A}"/>
+                <a16:creationId xmlns:a16="http://schemas.microsoft.com/office/drawing/2014/main" xmlns="" id="{8A016035-26A6-4331-8012-5DB64A7FA46A}"/>
               </a:ext>
             </a:extLst>
           </p:cNvPr>
@@ -1665,7 +1670,7 @@
               <a:pPr>
                 <a:defRPr/>
               </a:pPr>
-              <a:t>18/6/2021</a:t>
+              <a:t>5/4/2022</a:t>
             </a:fld>
             <a:endParaRPr lang="en-SG"/>
           </a:p>
@@ -1676,7 +1681,7 @@
           <p:cNvPr id="5" name="Footer Placeholder 4">
             <a:extLst>
               <a:ext uri="{FF2B5EF4-FFF2-40B4-BE49-F238E27FC236}">
-                <a16:creationId xmlns:a16="http://schemas.microsoft.com/office/drawing/2014/main" id="{DF590ACC-7A53-464A-9F8C-AA0CB0659542}"/>
+                <a16:creationId xmlns:a16="http://schemas.microsoft.com/office/drawing/2014/main" xmlns="" id="{DF590ACC-7A53-464A-9F8C-AA0CB0659542}"/>
               </a:ext>
             </a:extLst>
           </p:cNvPr>
@@ -1708,7 +1713,7 @@
           <p:cNvPr id="6" name="Slide Number Placeholder 5">
             <a:extLst>
               <a:ext uri="{FF2B5EF4-FFF2-40B4-BE49-F238E27FC236}">
-                <a16:creationId xmlns:a16="http://schemas.microsoft.com/office/drawing/2014/main" id="{482FC60B-4657-4957-BEEC-C621B63D5875}"/>
+                <a16:creationId xmlns:a16="http://schemas.microsoft.com/office/drawing/2014/main" xmlns="" id="{482FC60B-4657-4957-BEEC-C621B63D5875}"/>
               </a:ext>
             </a:extLst>
           </p:cNvPr>
@@ -1909,7 +1914,7 @@
           <p:cNvPr id="5" name="Date Placeholder 3">
             <a:extLst>
               <a:ext uri="{FF2B5EF4-FFF2-40B4-BE49-F238E27FC236}">
-                <a16:creationId xmlns:a16="http://schemas.microsoft.com/office/drawing/2014/main" id="{5FC040E2-E0E4-47D2-A2CC-7C64F2D78658}"/>
+                <a16:creationId xmlns:a16="http://schemas.microsoft.com/office/drawing/2014/main" xmlns="" id="{5FC040E2-E0E4-47D2-A2CC-7C64F2D78658}"/>
               </a:ext>
             </a:extLst>
           </p:cNvPr>
@@ -1937,7 +1942,7 @@
               <a:pPr>
                 <a:defRPr/>
               </a:pPr>
-              <a:t>18/6/2021</a:t>
+              <a:t>5/4/2022</a:t>
             </a:fld>
             <a:endParaRPr lang="en-SG"/>
           </a:p>
@@ -1948,7 +1953,7 @@
           <p:cNvPr id="6" name="Footer Placeholder 4">
             <a:extLst>
               <a:ext uri="{FF2B5EF4-FFF2-40B4-BE49-F238E27FC236}">
-                <a16:creationId xmlns:a16="http://schemas.microsoft.com/office/drawing/2014/main" id="{107AD3FC-8D30-4543-90E0-451E9EC067A3}"/>
+                <a16:creationId xmlns:a16="http://schemas.microsoft.com/office/drawing/2014/main" xmlns="" id="{107AD3FC-8D30-4543-90E0-451E9EC067A3}"/>
               </a:ext>
             </a:extLst>
           </p:cNvPr>
@@ -1980,7 +1985,7 @@
           <p:cNvPr id="7" name="Slide Number Placeholder 5">
             <a:extLst>
               <a:ext uri="{FF2B5EF4-FFF2-40B4-BE49-F238E27FC236}">
-                <a16:creationId xmlns:a16="http://schemas.microsoft.com/office/drawing/2014/main" id="{56B36011-AFBE-413E-8D67-7ABDEAA5487B}"/>
+                <a16:creationId xmlns:a16="http://schemas.microsoft.com/office/drawing/2014/main" xmlns="" id="{56B36011-AFBE-413E-8D67-7ABDEAA5487B}"/>
               </a:ext>
             </a:extLst>
           </p:cNvPr>
@@ -2316,7 +2321,7 @@
           <p:cNvPr id="7" name="Date Placeholder 3">
             <a:extLst>
               <a:ext uri="{FF2B5EF4-FFF2-40B4-BE49-F238E27FC236}">
-                <a16:creationId xmlns:a16="http://schemas.microsoft.com/office/drawing/2014/main" id="{A455C71B-8514-450D-9910-DA45A0850D2B}"/>
+                <a16:creationId xmlns:a16="http://schemas.microsoft.com/office/drawing/2014/main" xmlns="" id="{A455C71B-8514-450D-9910-DA45A0850D2B}"/>
               </a:ext>
             </a:extLst>
           </p:cNvPr>
@@ -2344,7 +2349,7 @@
               <a:pPr>
                 <a:defRPr/>
               </a:pPr>
-              <a:t>18/6/2021</a:t>
+              <a:t>5/4/2022</a:t>
             </a:fld>
             <a:endParaRPr lang="en-SG"/>
           </a:p>
@@ -2355,7 +2360,7 @@
           <p:cNvPr id="8" name="Footer Placeholder 4">
             <a:extLst>
               <a:ext uri="{FF2B5EF4-FFF2-40B4-BE49-F238E27FC236}">
-                <a16:creationId xmlns:a16="http://schemas.microsoft.com/office/drawing/2014/main" id="{9F009235-FBCB-4689-8C6D-891D970C82C3}"/>
+                <a16:creationId xmlns:a16="http://schemas.microsoft.com/office/drawing/2014/main" xmlns="" id="{9F009235-FBCB-4689-8C6D-891D970C82C3}"/>
               </a:ext>
             </a:extLst>
           </p:cNvPr>
@@ -2387,7 +2392,7 @@
           <p:cNvPr id="9" name="Slide Number Placeholder 5">
             <a:extLst>
               <a:ext uri="{FF2B5EF4-FFF2-40B4-BE49-F238E27FC236}">
-                <a16:creationId xmlns:a16="http://schemas.microsoft.com/office/drawing/2014/main" id="{5E3604FB-2029-49F4-8C64-FCA139CA02DB}"/>
+                <a16:creationId xmlns:a16="http://schemas.microsoft.com/office/drawing/2014/main" xmlns="" id="{5E3604FB-2029-49F4-8C64-FCA139CA02DB}"/>
               </a:ext>
             </a:extLst>
           </p:cNvPr>
@@ -2474,7 +2479,7 @@
           <p:cNvPr id="3" name="Date Placeholder 3">
             <a:extLst>
               <a:ext uri="{FF2B5EF4-FFF2-40B4-BE49-F238E27FC236}">
-                <a16:creationId xmlns:a16="http://schemas.microsoft.com/office/drawing/2014/main" id="{85150C6B-8376-4C89-A491-24847D9B05F9}"/>
+                <a16:creationId xmlns:a16="http://schemas.microsoft.com/office/drawing/2014/main" xmlns="" id="{85150C6B-8376-4C89-A491-24847D9B05F9}"/>
               </a:ext>
             </a:extLst>
           </p:cNvPr>
@@ -2502,7 +2507,7 @@
               <a:pPr>
                 <a:defRPr/>
               </a:pPr>
-              <a:t>18/6/2021</a:t>
+              <a:t>5/4/2022</a:t>
             </a:fld>
             <a:endParaRPr lang="en-SG"/>
           </a:p>
@@ -2513,7 +2518,7 @@
           <p:cNvPr id="4" name="Footer Placeholder 4">
             <a:extLst>
               <a:ext uri="{FF2B5EF4-FFF2-40B4-BE49-F238E27FC236}">
-                <a16:creationId xmlns:a16="http://schemas.microsoft.com/office/drawing/2014/main" id="{9E6E60FD-49E2-46A7-8D9B-CD5C6FDA80BB}"/>
+                <a16:creationId xmlns:a16="http://schemas.microsoft.com/office/drawing/2014/main" xmlns="" id="{9E6E60FD-49E2-46A7-8D9B-CD5C6FDA80BB}"/>
               </a:ext>
             </a:extLst>
           </p:cNvPr>
@@ -2545,7 +2550,7 @@
           <p:cNvPr id="5" name="Slide Number Placeholder 5">
             <a:extLst>
               <a:ext uri="{FF2B5EF4-FFF2-40B4-BE49-F238E27FC236}">
-                <a16:creationId xmlns:a16="http://schemas.microsoft.com/office/drawing/2014/main" id="{A2A2BCA7-AEA8-476D-96C4-187DFFDC0C00}"/>
+                <a16:creationId xmlns:a16="http://schemas.microsoft.com/office/drawing/2014/main" xmlns="" id="{A2A2BCA7-AEA8-476D-96C4-187DFFDC0C00}"/>
               </a:ext>
             </a:extLst>
           </p:cNvPr>
@@ -2609,7 +2614,7 @@
           <p:cNvPr id="2" name="Date Placeholder 3">
             <a:extLst>
               <a:ext uri="{FF2B5EF4-FFF2-40B4-BE49-F238E27FC236}">
-                <a16:creationId xmlns:a16="http://schemas.microsoft.com/office/drawing/2014/main" id="{BB542AF7-7880-467A-85AB-42E82AFE43EF}"/>
+                <a16:creationId xmlns:a16="http://schemas.microsoft.com/office/drawing/2014/main" xmlns="" id="{BB542AF7-7880-467A-85AB-42E82AFE43EF}"/>
               </a:ext>
             </a:extLst>
           </p:cNvPr>
@@ -2637,7 +2642,7 @@
               <a:pPr>
                 <a:defRPr/>
               </a:pPr>
-              <a:t>18/6/2021</a:t>
+              <a:t>5/4/2022</a:t>
             </a:fld>
             <a:endParaRPr lang="en-SG"/>
           </a:p>
@@ -2648,7 +2653,7 @@
           <p:cNvPr id="3" name="Footer Placeholder 4">
             <a:extLst>
               <a:ext uri="{FF2B5EF4-FFF2-40B4-BE49-F238E27FC236}">
-                <a16:creationId xmlns:a16="http://schemas.microsoft.com/office/drawing/2014/main" id="{BD45ECC1-8FC7-433F-8E0B-E19EBD506464}"/>
+                <a16:creationId xmlns:a16="http://schemas.microsoft.com/office/drawing/2014/main" xmlns="" id="{BD45ECC1-8FC7-433F-8E0B-E19EBD506464}"/>
               </a:ext>
             </a:extLst>
           </p:cNvPr>
@@ -2680,7 +2685,7 @@
           <p:cNvPr id="4" name="Slide Number Placeholder 5">
             <a:extLst>
               <a:ext uri="{FF2B5EF4-FFF2-40B4-BE49-F238E27FC236}">
-                <a16:creationId xmlns:a16="http://schemas.microsoft.com/office/drawing/2014/main" id="{7B2355C1-DB27-45D4-B05A-8EFBB05A1923}"/>
+                <a16:creationId xmlns:a16="http://schemas.microsoft.com/office/drawing/2014/main" xmlns="" id="{7B2355C1-DB27-45D4-B05A-8EFBB05A1923}"/>
               </a:ext>
             </a:extLst>
           </p:cNvPr>
@@ -2926,7 +2931,7 @@
           <p:cNvPr id="5" name="Date Placeholder 3">
             <a:extLst>
               <a:ext uri="{FF2B5EF4-FFF2-40B4-BE49-F238E27FC236}">
-                <a16:creationId xmlns:a16="http://schemas.microsoft.com/office/drawing/2014/main" id="{2442A369-82E9-49A3-A7B7-7C66A9AA13A0}"/>
+                <a16:creationId xmlns:a16="http://schemas.microsoft.com/office/drawing/2014/main" xmlns="" id="{2442A369-82E9-49A3-A7B7-7C66A9AA13A0}"/>
               </a:ext>
             </a:extLst>
           </p:cNvPr>
@@ -2954,7 +2959,7 @@
               <a:pPr>
                 <a:defRPr/>
               </a:pPr>
-              <a:t>18/6/2021</a:t>
+              <a:t>5/4/2022</a:t>
             </a:fld>
             <a:endParaRPr lang="en-SG"/>
           </a:p>
@@ -2965,7 +2970,7 @@
           <p:cNvPr id="6" name="Footer Placeholder 4">
             <a:extLst>
               <a:ext uri="{FF2B5EF4-FFF2-40B4-BE49-F238E27FC236}">
-                <a16:creationId xmlns:a16="http://schemas.microsoft.com/office/drawing/2014/main" id="{AECDA0F6-831D-45B0-A002-18CE1C127107}"/>
+                <a16:creationId xmlns:a16="http://schemas.microsoft.com/office/drawing/2014/main" xmlns="" id="{AECDA0F6-831D-45B0-A002-18CE1C127107}"/>
               </a:ext>
             </a:extLst>
           </p:cNvPr>
@@ -2997,7 +3002,7 @@
           <p:cNvPr id="7" name="Slide Number Placeholder 5">
             <a:extLst>
               <a:ext uri="{FF2B5EF4-FFF2-40B4-BE49-F238E27FC236}">
-                <a16:creationId xmlns:a16="http://schemas.microsoft.com/office/drawing/2014/main" id="{18E56961-19F2-4C10-A8D5-BD55ADDCF5A9}"/>
+                <a16:creationId xmlns:a16="http://schemas.microsoft.com/office/drawing/2014/main" xmlns="" id="{18E56961-19F2-4C10-A8D5-BD55ADDCF5A9}"/>
               </a:ext>
             </a:extLst>
           </p:cNvPr>
@@ -3222,7 +3227,7 @@
           <p:cNvPr id="5" name="Date Placeholder 3">
             <a:extLst>
               <a:ext uri="{FF2B5EF4-FFF2-40B4-BE49-F238E27FC236}">
-                <a16:creationId xmlns:a16="http://schemas.microsoft.com/office/drawing/2014/main" id="{C4D46B29-5DF5-4E74-AF8B-FFFC140730AB}"/>
+                <a16:creationId xmlns:a16="http://schemas.microsoft.com/office/drawing/2014/main" xmlns="" id="{C4D46B29-5DF5-4E74-AF8B-FFFC140730AB}"/>
               </a:ext>
             </a:extLst>
           </p:cNvPr>
@@ -3250,7 +3255,7 @@
               <a:pPr>
                 <a:defRPr/>
               </a:pPr>
-              <a:t>18/6/2021</a:t>
+              <a:t>5/4/2022</a:t>
             </a:fld>
             <a:endParaRPr lang="en-SG"/>
           </a:p>
@@ -3261,7 +3266,7 @@
           <p:cNvPr id="6" name="Footer Placeholder 4">
             <a:extLst>
               <a:ext uri="{FF2B5EF4-FFF2-40B4-BE49-F238E27FC236}">
-                <a16:creationId xmlns:a16="http://schemas.microsoft.com/office/drawing/2014/main" id="{09C4197F-7A24-48D9-A9E3-3CC0D075D6D6}"/>
+                <a16:creationId xmlns:a16="http://schemas.microsoft.com/office/drawing/2014/main" xmlns="" id="{09C4197F-7A24-48D9-A9E3-3CC0D075D6D6}"/>
               </a:ext>
             </a:extLst>
           </p:cNvPr>
@@ -3293,7 +3298,7 @@
           <p:cNvPr id="7" name="Slide Number Placeholder 5">
             <a:extLst>
               <a:ext uri="{FF2B5EF4-FFF2-40B4-BE49-F238E27FC236}">
-                <a16:creationId xmlns:a16="http://schemas.microsoft.com/office/drawing/2014/main" id="{A7BB828A-51CE-4BA2-A71F-B944BC8A5DAB}"/>
+                <a16:creationId xmlns:a16="http://schemas.microsoft.com/office/drawing/2014/main" xmlns="" id="{A7BB828A-51CE-4BA2-A71F-B944BC8A5DAB}"/>
               </a:ext>
             </a:extLst>
           </p:cNvPr>
@@ -3365,7 +3370,7 @@
           <p:cNvPr id="1026" name="Title Placeholder 1">
             <a:extLst>
               <a:ext uri="{FF2B5EF4-FFF2-40B4-BE49-F238E27FC236}">
-                <a16:creationId xmlns:a16="http://schemas.microsoft.com/office/drawing/2014/main" id="{FEC04E59-727F-4ABA-B9CC-974027D7A730}"/>
+                <a16:creationId xmlns:a16="http://schemas.microsoft.com/office/drawing/2014/main" xmlns="" id="{FEC04E59-727F-4ABA-B9CC-974027D7A730}"/>
               </a:ext>
             </a:extLst>
           </p:cNvPr>
@@ -3430,7 +3435,7 @@
           <p:cNvPr id="1027" name="Text Placeholder 2">
             <a:extLst>
               <a:ext uri="{FF2B5EF4-FFF2-40B4-BE49-F238E27FC236}">
-                <a16:creationId xmlns:a16="http://schemas.microsoft.com/office/drawing/2014/main" id="{3EC764FE-ED56-4B82-BA88-583FD839AC7D}"/>
+                <a16:creationId xmlns:a16="http://schemas.microsoft.com/office/drawing/2014/main" xmlns="" id="{3EC764FE-ED56-4B82-BA88-583FD839AC7D}"/>
               </a:ext>
             </a:extLst>
           </p:cNvPr>
@@ -3523,7 +3528,7 @@
           <p:cNvPr id="4" name="Date Placeholder 3">
             <a:extLst>
               <a:ext uri="{FF2B5EF4-FFF2-40B4-BE49-F238E27FC236}">
-                <a16:creationId xmlns:a16="http://schemas.microsoft.com/office/drawing/2014/main" id="{7A085421-3754-4701-A142-980CDCA373B4}"/>
+                <a16:creationId xmlns:a16="http://schemas.microsoft.com/office/drawing/2014/main" xmlns="" id="{7A085421-3754-4701-A142-980CDCA373B4}"/>
               </a:ext>
             </a:extLst>
           </p:cNvPr>
@@ -3572,7 +3577,7 @@
               <a:pPr>
                 <a:defRPr/>
               </a:pPr>
-              <a:t>18/6/2021</a:t>
+              <a:t>5/4/2022</a:t>
             </a:fld>
             <a:endParaRPr lang="en-SG"/>
           </a:p>
@@ -3583,7 +3588,7 @@
           <p:cNvPr id="5" name="Footer Placeholder 4">
             <a:extLst>
               <a:ext uri="{FF2B5EF4-FFF2-40B4-BE49-F238E27FC236}">
-                <a16:creationId xmlns:a16="http://schemas.microsoft.com/office/drawing/2014/main" id="{A5F89266-13AE-4A2B-A0CE-FDF90EBD3A29}"/>
+                <a16:creationId xmlns:a16="http://schemas.microsoft.com/office/drawing/2014/main" xmlns="" id="{A5F89266-13AE-4A2B-A0CE-FDF90EBD3A29}"/>
               </a:ext>
             </a:extLst>
           </p:cNvPr>
@@ -3636,7 +3641,7 @@
           <p:cNvPr id="6" name="Slide Number Placeholder 5">
             <a:extLst>
               <a:ext uri="{FF2B5EF4-FFF2-40B4-BE49-F238E27FC236}">
-                <a16:creationId xmlns:a16="http://schemas.microsoft.com/office/drawing/2014/main" id="{91195FF3-0588-4DD3-9F22-1F05B3E7E173}"/>
+                <a16:creationId xmlns:a16="http://schemas.microsoft.com/office/drawing/2014/main" xmlns="" id="{91195FF3-0588-4DD3-9F22-1F05B3E7E173}"/>
               </a:ext>
             </a:extLst>
           </p:cNvPr>
@@ -4155,7 +4160,7 @@
           <p:cNvPr id="3074" name="Title 1">
             <a:extLst>
               <a:ext uri="{FF2B5EF4-FFF2-40B4-BE49-F238E27FC236}">
-                <a16:creationId xmlns:a16="http://schemas.microsoft.com/office/drawing/2014/main" id="{B8C1D427-644D-4844-ACB1-8B98EBEBEB27}"/>
+                <a16:creationId xmlns:a16="http://schemas.microsoft.com/office/drawing/2014/main" xmlns="" id="{B8C1D427-644D-4844-ACB1-8B98EBEBEB27}"/>
               </a:ext>
             </a:extLst>
           </p:cNvPr>
@@ -4180,101 +4185,12 @@
           </a:p>
         </p:txBody>
       </p:sp>
-      <p:graphicFrame>
-        <p:nvGraphicFramePr>
-          <p:cNvPr id="3075" name="Object 3">
-            <a:extLst>
-              <a:ext uri="{FF2B5EF4-FFF2-40B4-BE49-F238E27FC236}">
-                <a16:creationId xmlns:a16="http://schemas.microsoft.com/office/drawing/2014/main" id="{FA53592B-7111-42FD-9653-2A1EF7B4125C}"/>
-              </a:ext>
-            </a:extLst>
-          </p:cNvPr>
-          <p:cNvGraphicFramePr>
-            <a:graphicFrameLocks noChangeAspect="1"/>
-          </p:cNvGraphicFramePr>
-          <p:nvPr/>
-        </p:nvGraphicFramePr>
-        <p:xfrm>
-          <a:off x="2787650" y="1439863"/>
-          <a:ext cx="615950" cy="503237"/>
-        </p:xfrm>
-        <a:graphic>
-          <a:graphicData uri="http://schemas.openxmlformats.org/presentationml/2006/ole">
-            <mc:AlternateContent xmlns:mc="http://schemas.openxmlformats.org/markup-compatibility/2006">
-              <mc:Choice xmlns:v="urn:schemas-microsoft-com:vml" Requires="v">
-                <p:oleObj name="Объект упаковщика для оболочки" showAsIcon="1" r:id="rId2" imgW="599768" imgH="521110" progId="Package">
-                  <p:embed/>
-                </p:oleObj>
-              </mc:Choice>
-              <mc:Fallback>
-                <p:oleObj name="Объект упаковщика для оболочки" showAsIcon="1" r:id="rId2" imgW="599768" imgH="521110" progId="Package">
-                  <p:embed/>
-                  <p:pic>
-                    <p:nvPicPr>
-                      <p:cNvPr id="0" name="Object 3"/>
-                      <p:cNvPicPr>
-                        <a:picLocks noChangeAspect="1" noChangeArrowheads="1"/>
-                      </p:cNvPicPr>
-                      <p:nvPr/>
-                    </p:nvPicPr>
-                    <p:blipFill>
-                      <a:blip r:embed="rId3">
-                        <a:extLst>
-                          <a:ext uri="{28A0092B-C50C-407E-A947-70E740481C1C}">
-                            <a14:useLocalDpi xmlns:a14="http://schemas.microsoft.com/office/drawing/2010/main" val="0"/>
-                          </a:ext>
-                        </a:extLst>
-                      </a:blip>
-                      <a:srcRect/>
-                      <a:stretch>
-                        <a:fillRect/>
-                      </a:stretch>
-                    </p:blipFill>
-                    <p:spPr bwMode="auto">
-                      <a:xfrm>
-                        <a:off x="2787650" y="1439863"/>
-                        <a:ext cx="615950" cy="503237"/>
-                      </a:xfrm>
-                      <a:prstGeom prst="rect">
-                        <a:avLst/>
-                      </a:prstGeom>
-                      <a:noFill/>
-                      <a:ln>
-                        <a:noFill/>
-                      </a:ln>
-                      <a:extLst>
-                        <a:ext uri="{909E8E84-426E-40DD-AFC4-6F175D3DCCD1}">
-                          <a14:hiddenFill xmlns:a14="http://schemas.microsoft.com/office/drawing/2010/main">
-                            <a:solidFill>
-                              <a:srgbClr val="FFFFFF"/>
-                            </a:solidFill>
-                          </a14:hiddenFill>
-                        </a:ext>
-                        <a:ext uri="{91240B29-F687-4F45-9708-019B960494DF}">
-                          <a14:hiddenLine xmlns:a14="http://schemas.microsoft.com/office/drawing/2010/main" w="9525">
-                            <a:solidFill>
-                              <a:srgbClr val="000000"/>
-                            </a:solidFill>
-                            <a:miter lim="800000"/>
-                            <a:headEnd/>
-                            <a:tailEnd/>
-                          </a14:hiddenLine>
-                        </a:ext>
-                      </a:extLst>
-                    </p:spPr>
-                  </p:pic>
-                </p:oleObj>
-              </mc:Fallback>
-            </mc:AlternateContent>
-          </a:graphicData>
-        </a:graphic>
-      </p:graphicFrame>
       <p:sp>
         <p:nvSpPr>
           <p:cNvPr id="2" name="TextBox 1">
             <a:extLst>
               <a:ext uri="{FF2B5EF4-FFF2-40B4-BE49-F238E27FC236}">
-                <a16:creationId xmlns:a16="http://schemas.microsoft.com/office/drawing/2014/main" id="{559FF01E-2CC0-4E38-A1BB-E58F5A91D5AD}"/>
+                <a16:creationId xmlns:a16="http://schemas.microsoft.com/office/drawing/2014/main" xmlns="" id="{559FF01E-2CC0-4E38-A1BB-E58F5A91D5AD}"/>
               </a:ext>
             </a:extLst>
           </p:cNvPr>
@@ -4369,7 +4285,7 @@
           <p:cNvPr id="3077" name="Object 2">
             <a:extLst>
               <a:ext uri="{FF2B5EF4-FFF2-40B4-BE49-F238E27FC236}">
-                <a16:creationId xmlns:a16="http://schemas.microsoft.com/office/drawing/2014/main" id="{5BF33166-538C-4FA5-A5E3-05F736807255}"/>
+                <a16:creationId xmlns:a16="http://schemas.microsoft.com/office/drawing/2014/main" xmlns="" id="{5BF33166-538C-4FA5-A5E3-05F736807255}"/>
               </a:ext>
             </a:extLst>
           </p:cNvPr>
@@ -4392,12 +4308,12 @@
           <a:graphicData uri="http://schemas.openxmlformats.org/presentationml/2006/ole">
             <mc:AlternateContent xmlns:mc="http://schemas.openxmlformats.org/markup-compatibility/2006">
               <mc:Choice xmlns:v="urn:schemas-microsoft-com:vml" Requires="v">
-                <p:oleObj name="Объект упаковщика для оболочки" showAsIcon="1" r:id="rId4" imgW="550080" imgH="385200" progId="Package">
+                <p:oleObj spid="_x0000_s1026" name="Объект упаковщика для оболочки" showAsIcon="1" r:id="rId3" imgW="550080" imgH="385200" progId="Package">
                   <p:embed/>
                 </p:oleObj>
               </mc:Choice>
               <mc:Fallback>
-                <p:oleObj name="Объект упаковщика для оболочки" showAsIcon="1" r:id="rId4" imgW="550080" imgH="385200" progId="Package">
+                <p:oleObj name="Объект упаковщика для оболочки" showAsIcon="1" r:id="rId3" imgW="550080" imgH="385200" progId="Package">
                   <p:embed/>
                   <p:pic>
                     <p:nvPicPr>
@@ -4408,7 +4324,7 @@
                       <p:nvPr/>
                     </p:nvPicPr>
                     <p:blipFill>
-                      <a:blip r:embed="rId5"/>
+                      <a:blip r:embed="rId4"/>
                       <a:srcRect/>
                       <a:stretch>
                         <a:fillRect/>
@@ -4458,7 +4374,7 @@
           <p:cNvPr id="4" name="Date Placeholder 3">
             <a:extLst>
               <a:ext uri="{FF2B5EF4-FFF2-40B4-BE49-F238E27FC236}">
-                <a16:creationId xmlns:a16="http://schemas.microsoft.com/office/drawing/2014/main" id="{9CD2FEFA-8A47-4742-8699-C95977D1EAFA}"/>
+                <a16:creationId xmlns:a16="http://schemas.microsoft.com/office/drawing/2014/main" xmlns="" id="{9CD2FEFA-8A47-4742-8699-C95977D1EAFA}"/>
               </a:ext>
             </a:extLst>
           </p:cNvPr>
@@ -4482,7 +4398,7 @@
               <a:pPr>
                 <a:defRPr/>
               </a:pPr>
-              <a:t>Friday, June 18, 2021</a:t>
+              <a:t>Tuesday, April 05, 2022</a:t>
             </a:fld>
             <a:endParaRPr lang="en-SG"/>
           </a:p>
@@ -4493,7 +4409,7 @@
           <p:cNvPr id="5" name="Footer Placeholder 4">
             <a:extLst>
               <a:ext uri="{FF2B5EF4-FFF2-40B4-BE49-F238E27FC236}">
-                <a16:creationId xmlns:a16="http://schemas.microsoft.com/office/drawing/2014/main" id="{F238AB2C-5798-4E49-B0AA-8FC0F609C823}"/>
+                <a16:creationId xmlns:a16="http://schemas.microsoft.com/office/drawing/2014/main" xmlns="" id="{F238AB2C-5798-4E49-B0AA-8FC0F609C823}"/>
               </a:ext>
             </a:extLst>
           </p:cNvPr>
